--- a/1015進捗.pptx
+++ b/1015進捗.pptx
@@ -4356,6 +4356,18 @@
             <a:r>
               <a:rPr lang="ja-JP" altLang="en-US"/>
               <a:t>やルータを右クリックをした際の動作を指定</a:t>
+            </a:r>
+            <a:r>
+              <a:rPr lang="en-US" altLang="ja-JP" dirty="0"/>
+              <a:t>(</a:t>
+            </a:r>
+            <a:r>
+              <a:rPr lang="ja-JP" altLang="en-US"/>
+              <a:t>エラー</a:t>
+            </a:r>
+            <a:r>
+              <a:rPr lang="en-US" altLang="ja-JP"/>
+              <a:t>)</a:t>
             </a:r>
             <a:endParaRPr kumimoji="1" lang="ja-JP" altLang="en-US"/>
           </a:p>

--- a/1015進捗.pptx
+++ b/1015進捗.pptx
@@ -5,7 +5,7 @@
     <p:sldMasterId id="2147483648" r:id="rId1"/>
   </p:sldMasterIdLst>
   <p:notesMasterIdLst>
-    <p:notesMasterId r:id="rId8"/>
+    <p:notesMasterId r:id="rId14"/>
   </p:notesMasterIdLst>
   <p:sldIdLst>
     <p:sldId id="256" r:id="rId2"/>
@@ -13,7 +13,13 @@
     <p:sldId id="258" r:id="rId4"/>
     <p:sldId id="260" r:id="rId5"/>
     <p:sldId id="261" r:id="rId6"/>
-    <p:sldId id="259" r:id="rId7"/>
+    <p:sldId id="262" r:id="rId7"/>
+    <p:sldId id="263" r:id="rId8"/>
+    <p:sldId id="264" r:id="rId9"/>
+    <p:sldId id="265" r:id="rId10"/>
+    <p:sldId id="266" r:id="rId11"/>
+    <p:sldId id="267" r:id="rId12"/>
+    <p:sldId id="259" r:id="rId13"/>
   </p:sldIdLst>
   <p:sldSz cx="9144000" cy="6858000" type="screen4x3"/>
   <p:notesSz cx="6858000" cy="9144000"/>
@@ -122,6 +128,12 @@
             <p14:sldId id="258"/>
             <p14:sldId id="260"/>
             <p14:sldId id="261"/>
+            <p14:sldId id="262"/>
+            <p14:sldId id="263"/>
+            <p14:sldId id="264"/>
+            <p14:sldId id="265"/>
+            <p14:sldId id="266"/>
+            <p14:sldId id="267"/>
             <p14:sldId id="259"/>
           </p14:sldIdLst>
         </p14:section>
@@ -4086,6 +4098,489 @@
 </p:sld>
 </file>
 
+<file path=ppt/slides/slide10.xml><?xml version="1.0" encoding="utf-8"?>
+<p:sld xmlns:a="http://schemas.openxmlformats.org/drawingml/2006/main" xmlns:r="http://schemas.openxmlformats.org/officeDocument/2006/relationships" xmlns:p="http://schemas.openxmlformats.org/presentationml/2006/main">
+  <p:cSld>
+    <p:spTree>
+      <p:nvGrpSpPr>
+        <p:cNvPr id="1" name=""/>
+        <p:cNvGrpSpPr/>
+        <p:nvPr/>
+      </p:nvGrpSpPr>
+      <p:grpSpPr>
+        <a:xfrm>
+          <a:off x="0" y="0"/>
+          <a:ext cx="0" cy="0"/>
+          <a:chOff x="0" y="0"/>
+          <a:chExt cx="0" cy="0"/>
+        </a:xfrm>
+      </p:grpSpPr>
+      <p:sp>
+        <p:nvSpPr>
+          <p:cNvPr id="2" name="タイトル 1"/>
+          <p:cNvSpPr>
+            <a:spLocks noGrp="1"/>
+          </p:cNvSpPr>
+          <p:nvPr>
+            <p:ph type="title"/>
+          </p:nvPr>
+        </p:nvSpPr>
+        <p:spPr/>
+        <p:txBody>
+          <a:bodyPr/>
+          <a:lstStyle/>
+          <a:p>
+            <a:r>
+              <a:rPr kumimoji="1" lang="en-US" altLang="ja-JP" dirty="0" smtClean="0"/>
+              <a:t>URL</a:t>
+            </a:r>
+            <a:r>
+              <a:rPr kumimoji="1" lang="ja-JP" altLang="en-US" dirty="0" smtClean="0"/>
+              <a:t>エンコード</a:t>
+            </a:r>
+            <a:endParaRPr kumimoji="1" lang="ja-JP" altLang="en-US" dirty="0"/>
+          </a:p>
+        </p:txBody>
+      </p:sp>
+      <p:sp>
+        <p:nvSpPr>
+          <p:cNvPr id="3" name="コンテンツ プレースホルダー 2"/>
+          <p:cNvSpPr>
+            <a:spLocks noGrp="1"/>
+          </p:cNvSpPr>
+          <p:nvPr>
+            <p:ph idx="1"/>
+          </p:nvPr>
+        </p:nvSpPr>
+        <p:spPr/>
+        <p:txBody>
+          <a:bodyPr/>
+          <a:lstStyle/>
+          <a:p>
+            <a:r>
+              <a:rPr lang="ja-JP" altLang="en-US" dirty="0"/>
+              <a:t>署名において</a:t>
+            </a:r>
+            <a:r>
+              <a:rPr lang="en-US" altLang="ja-JP" dirty="0" err="1"/>
+              <a:t>url</a:t>
+            </a:r>
+            <a:r>
+              <a:rPr lang="ja-JP" altLang="en-US" dirty="0"/>
+              <a:t>エンコードが必要</a:t>
+            </a:r>
+            <a:r>
+              <a:rPr lang="en-US" altLang="ja-JP" dirty="0"/>
+              <a:t/>
+            </a:r>
+            <a:br>
+              <a:rPr lang="en-US" altLang="ja-JP" dirty="0"/>
+            </a:br>
+            <a:r>
+              <a:rPr lang="en-US" altLang="ja-JP" dirty="0"/>
+              <a:t>-Ruby</a:t>
+            </a:r>
+            <a:r>
+              <a:rPr lang="ja-JP" altLang="en-US" dirty="0"/>
+              <a:t>では</a:t>
+            </a:r>
+            <a:r>
+              <a:rPr lang="en-US" altLang="ja-JP" dirty="0" err="1"/>
+              <a:t>CGI.escape,URI</a:t>
+            </a:r>
+            <a:r>
+              <a:rPr lang="en-US" altLang="ja-JP" dirty="0"/>
+              <a:t> encode</a:t>
+            </a:r>
+            <a:r>
+              <a:rPr lang="ja-JP" altLang="en-US" dirty="0"/>
+              <a:t>の二種類が存在。</a:t>
+            </a:r>
+            <a:r>
+              <a:rPr lang="en-US" altLang="ja-JP" dirty="0"/>
+              <a:t/>
+            </a:r>
+            <a:br>
+              <a:rPr lang="en-US" altLang="ja-JP" dirty="0"/>
+            </a:br>
+            <a:endParaRPr lang="en-US" altLang="ja-JP" dirty="0"/>
+          </a:p>
+          <a:p>
+            <a:r>
+              <a:rPr lang="en-US" altLang="ja-JP" dirty="0"/>
+              <a:t>RFC-3896</a:t>
+            </a:r>
+            <a:r>
+              <a:rPr lang="ja-JP" altLang="en-US" dirty="0"/>
+              <a:t>仕様でエンコードしなければならなかったため、</a:t>
+            </a:r>
+            <a:r>
+              <a:rPr lang="en-US" altLang="ja-JP" dirty="0" err="1"/>
+              <a:t>CGI.escape</a:t>
+            </a:r>
+            <a:r>
+              <a:rPr lang="ja-JP" altLang="en-US" dirty="0"/>
+              <a:t>を</a:t>
+            </a:r>
+            <a:r>
+              <a:rPr lang="ja-JP" altLang="en-US" dirty="0" smtClean="0"/>
+              <a:t>使用</a:t>
+            </a:r>
+            <a:endParaRPr lang="en-US" altLang="ja-JP" dirty="0"/>
+          </a:p>
+        </p:txBody>
+      </p:sp>
+      <p:sp>
+        <p:nvSpPr>
+          <p:cNvPr id="4" name="スライド番号プレースホルダー 3"/>
+          <p:cNvSpPr>
+            <a:spLocks noGrp="1"/>
+          </p:cNvSpPr>
+          <p:nvPr>
+            <p:ph type="sldNum" sz="quarter" idx="12"/>
+          </p:nvPr>
+        </p:nvSpPr>
+        <p:spPr/>
+        <p:txBody>
+          <a:bodyPr/>
+          <a:lstStyle/>
+          <a:p>
+            <a:pPr algn="ctr"/>
+            <a:fld id="{CA23F248-F353-4F36-A746-B1953A38AE2D}" type="slidenum">
+              <a:rPr lang="ja-JP" altLang="en-US" smtClean="0"/>
+              <a:pPr algn="ctr"/>
+              <a:t>10</a:t>
+            </a:fld>
+            <a:endParaRPr lang="ja-JP" altLang="en-US" dirty="0"/>
+          </a:p>
+        </p:txBody>
+      </p:sp>
+    </p:spTree>
+    <p:extLst>
+      <p:ext uri="{BB962C8B-B14F-4D97-AF65-F5344CB8AC3E}">
+        <p14:creationId xmlns:p14="http://schemas.microsoft.com/office/powerpoint/2010/main" val="1747225007"/>
+      </p:ext>
+    </p:extLst>
+  </p:cSld>
+  <p:clrMapOvr>
+    <a:masterClrMapping/>
+  </p:clrMapOvr>
+</p:sld>
+</file>
+
+<file path=ppt/slides/slide11.xml><?xml version="1.0" encoding="utf-8"?>
+<p:sld xmlns:a="http://schemas.openxmlformats.org/drawingml/2006/main" xmlns:r="http://schemas.openxmlformats.org/officeDocument/2006/relationships" xmlns:p="http://schemas.openxmlformats.org/presentationml/2006/main">
+  <p:cSld>
+    <p:spTree>
+      <p:nvGrpSpPr>
+        <p:cNvPr id="1" name=""/>
+        <p:cNvGrpSpPr/>
+        <p:nvPr/>
+      </p:nvGrpSpPr>
+      <p:grpSpPr>
+        <a:xfrm>
+          <a:off x="0" y="0"/>
+          <a:ext cx="0" cy="0"/>
+          <a:chOff x="0" y="0"/>
+          <a:chExt cx="0" cy="0"/>
+        </a:xfrm>
+      </p:grpSpPr>
+      <p:sp>
+        <p:nvSpPr>
+          <p:cNvPr id="2" name="タイトル 1"/>
+          <p:cNvSpPr>
+            <a:spLocks noGrp="1"/>
+          </p:cNvSpPr>
+          <p:nvPr>
+            <p:ph type="title"/>
+          </p:nvPr>
+        </p:nvSpPr>
+        <p:spPr/>
+        <p:txBody>
+          <a:bodyPr/>
+          <a:lstStyle/>
+          <a:p>
+            <a:r>
+              <a:rPr lang="ja-JP" altLang="en-US" dirty="0" smtClean="0"/>
+              <a:t>問題点　対処法</a:t>
+            </a:r>
+            <a:endParaRPr kumimoji="1" lang="ja-JP" altLang="en-US" dirty="0"/>
+          </a:p>
+        </p:txBody>
+      </p:sp>
+      <p:sp>
+        <p:nvSpPr>
+          <p:cNvPr id="3" name="コンテンツ プレースホルダー 2"/>
+          <p:cNvSpPr>
+            <a:spLocks noGrp="1"/>
+          </p:cNvSpPr>
+          <p:nvPr>
+            <p:ph idx="1"/>
+          </p:nvPr>
+        </p:nvSpPr>
+        <p:spPr/>
+        <p:txBody>
+          <a:bodyPr/>
+          <a:lstStyle/>
+          <a:p>
+            <a:r>
+              <a:rPr lang="en-US" altLang="ja-JP" dirty="0" err="1"/>
+              <a:t>CGI.escape</a:t>
+            </a:r>
+            <a:r>
+              <a:rPr lang="ja-JP" altLang="en-US" dirty="0"/>
+              <a:t>では</a:t>
+            </a:r>
+            <a:r>
+              <a:rPr lang="en-US" altLang="ja-JP" dirty="0"/>
+              <a:t>”+”</a:t>
+            </a:r>
+            <a:r>
+              <a:rPr lang="ja-JP" altLang="en-US" dirty="0"/>
+              <a:t>をエンコードしなかった。</a:t>
+            </a:r>
+            <a:r>
+              <a:rPr lang="en-US" altLang="ja-JP" dirty="0"/>
+              <a:t/>
+            </a:r>
+            <a:br>
+              <a:rPr lang="en-US" altLang="ja-JP" dirty="0"/>
+            </a:br>
+            <a:r>
+              <a:rPr lang="en-US" altLang="ja-JP" dirty="0"/>
+              <a:t>-</a:t>
+            </a:r>
+            <a:r>
+              <a:rPr lang="ja-JP" altLang="en-US" dirty="0"/>
+              <a:t>予め</a:t>
+            </a:r>
+            <a:r>
+              <a:rPr lang="en-US" altLang="ja-JP" dirty="0" err="1"/>
+              <a:t>url</a:t>
+            </a:r>
+            <a:r>
+              <a:rPr lang="ja-JP" altLang="en-US" dirty="0"/>
+              <a:t>エンコードする前に</a:t>
+            </a:r>
+            <a:r>
+              <a:rPr lang="en-US" altLang="ja-JP" dirty="0"/>
+              <a:t>”+”</a:t>
+            </a:r>
+            <a:r>
+              <a:rPr lang="ja-JP" altLang="en-US" dirty="0"/>
+              <a:t>を</a:t>
+            </a:r>
+            <a:r>
+              <a:rPr lang="en-US" altLang="ja-JP" dirty="0"/>
+              <a:t>”%20”</a:t>
+            </a:r>
+            <a:r>
+              <a:rPr lang="ja-JP" altLang="en-US" dirty="0"/>
+              <a:t>に手動で置き換えるプログラムを書き、その上で</a:t>
+            </a:r>
+            <a:r>
+              <a:rPr lang="en-US" altLang="ja-JP" dirty="0" err="1"/>
+              <a:t>CGI.escape</a:t>
+            </a:r>
+            <a:r>
+              <a:rPr lang="ja-JP" altLang="en-US" dirty="0"/>
+              <a:t>することで対処した。</a:t>
+            </a:r>
+            <a:endParaRPr lang="ja-JP" altLang="en-US" dirty="0"/>
+          </a:p>
+        </p:txBody>
+      </p:sp>
+      <p:sp>
+        <p:nvSpPr>
+          <p:cNvPr id="4" name="スライド番号プレースホルダー 3"/>
+          <p:cNvSpPr>
+            <a:spLocks noGrp="1"/>
+          </p:cNvSpPr>
+          <p:nvPr>
+            <p:ph type="sldNum" sz="quarter" idx="12"/>
+          </p:nvPr>
+        </p:nvSpPr>
+        <p:spPr/>
+        <p:txBody>
+          <a:bodyPr/>
+          <a:lstStyle/>
+          <a:p>
+            <a:pPr algn="ctr"/>
+            <a:fld id="{CA23F248-F353-4F36-A746-B1953A38AE2D}" type="slidenum">
+              <a:rPr lang="ja-JP" altLang="en-US" smtClean="0"/>
+              <a:pPr algn="ctr"/>
+              <a:t>11</a:t>
+            </a:fld>
+            <a:endParaRPr lang="ja-JP" altLang="en-US" dirty="0"/>
+          </a:p>
+        </p:txBody>
+      </p:sp>
+    </p:spTree>
+    <p:extLst>
+      <p:ext uri="{BB962C8B-B14F-4D97-AF65-F5344CB8AC3E}">
+        <p14:creationId xmlns:p14="http://schemas.microsoft.com/office/powerpoint/2010/main" val="346768504"/>
+      </p:ext>
+    </p:extLst>
+  </p:cSld>
+  <p:clrMapOvr>
+    <a:masterClrMapping/>
+  </p:clrMapOvr>
+</p:sld>
+</file>
+
+<file path=ppt/slides/slide12.xml><?xml version="1.0" encoding="utf-8"?>
+<p:sld xmlns:a="http://schemas.openxmlformats.org/drawingml/2006/main" xmlns:r="http://schemas.openxmlformats.org/officeDocument/2006/relationships" xmlns:p="http://schemas.openxmlformats.org/presentationml/2006/main">
+  <p:cSld>
+    <p:spTree>
+      <p:nvGrpSpPr>
+        <p:cNvPr id="1" name=""/>
+        <p:cNvGrpSpPr/>
+        <p:nvPr/>
+      </p:nvGrpSpPr>
+      <p:grpSpPr>
+        <a:xfrm>
+          <a:off x="0" y="0"/>
+          <a:ext cx="0" cy="0"/>
+          <a:chOff x="0" y="0"/>
+          <a:chExt cx="0" cy="0"/>
+        </a:xfrm>
+      </p:grpSpPr>
+      <p:sp>
+        <p:nvSpPr>
+          <p:cNvPr id="2" name="タイトル 1">
+            <a:extLst>
+              <a:ext uri="{FF2B5EF4-FFF2-40B4-BE49-F238E27FC236}">
+                <a16:creationId xmlns:a16="http://schemas.microsoft.com/office/drawing/2014/main" xmlns="" id="{63E1E102-5ED3-1440-8A4F-7F278879E5FA}"/>
+              </a:ext>
+            </a:extLst>
+          </p:cNvPr>
+          <p:cNvSpPr>
+            <a:spLocks noGrp="1"/>
+          </p:cNvSpPr>
+          <p:nvPr>
+            <p:ph type="title"/>
+          </p:nvPr>
+        </p:nvSpPr>
+        <p:spPr/>
+        <p:txBody>
+          <a:bodyPr/>
+          <a:lstStyle/>
+          <a:p>
+            <a:r>
+              <a:rPr kumimoji="1" lang="ja-JP" altLang="en-US"/>
+              <a:t>課題</a:t>
+            </a:r>
+          </a:p>
+        </p:txBody>
+      </p:sp>
+      <p:sp>
+        <p:nvSpPr>
+          <p:cNvPr id="3" name="コンテンツ プレースホルダー 2">
+            <a:extLst>
+              <a:ext uri="{FF2B5EF4-FFF2-40B4-BE49-F238E27FC236}">
+                <a16:creationId xmlns:a16="http://schemas.microsoft.com/office/drawing/2014/main" xmlns="" id="{55B68636-2CE0-9E49-A425-7F9CE86B8CB4}"/>
+              </a:ext>
+            </a:extLst>
+          </p:cNvPr>
+          <p:cNvSpPr>
+            <a:spLocks noGrp="1"/>
+          </p:cNvSpPr>
+          <p:nvPr>
+            <p:ph idx="1"/>
+          </p:nvPr>
+        </p:nvSpPr>
+        <p:spPr/>
+        <p:txBody>
+          <a:bodyPr/>
+          <a:lstStyle/>
+          <a:p>
+            <a:r>
+              <a:rPr kumimoji="1" lang="ja-JP" altLang="en-US" dirty="0"/>
+              <a:t>ドロップした画像に属性を追加する</a:t>
+            </a:r>
+            <a:r>
+              <a:rPr kumimoji="1" lang="en-US" altLang="ja-JP" dirty="0"/>
+              <a:t>(</a:t>
+            </a:r>
+            <a:r>
+              <a:rPr kumimoji="1" lang="en-US" altLang="ja-JP" dirty="0" err="1"/>
+              <a:t>netJson</a:t>
+            </a:r>
+            <a:r>
+              <a:rPr kumimoji="1" lang="en-US" altLang="ja-JP" dirty="0"/>
+              <a:t>)</a:t>
+            </a:r>
+          </a:p>
+          <a:p>
+            <a:r>
+              <a:rPr lang="en-US" altLang="ja-JP" dirty="0"/>
+              <a:t>HMAC-SHA1</a:t>
+            </a:r>
+            <a:r>
+              <a:rPr lang="ja-JP" altLang="en-US" dirty="0"/>
+              <a:t>でハッシュ化し、</a:t>
+            </a:r>
+            <a:r>
+              <a:rPr lang="en-US" altLang="ja-JP" dirty="0"/>
+              <a:t>base64</a:t>
+            </a:r>
+            <a:r>
+              <a:rPr lang="ja-JP" altLang="en-US"/>
+              <a:t>エンコードする前の文字列の生成までは合っていることが確認できたので、ハッシュ化とエンコードのやり方を変えて正しい署名を生成する。</a:t>
+            </a:r>
+          </a:p>
+          <a:p>
+            <a:endParaRPr lang="en-US" altLang="ja-JP" dirty="0"/>
+          </a:p>
+          <a:p>
+            <a:endParaRPr kumimoji="1" lang="en-US" altLang="ja-JP" dirty="0"/>
+          </a:p>
+        </p:txBody>
+      </p:sp>
+      <p:sp>
+        <p:nvSpPr>
+          <p:cNvPr id="4" name="スライド番号プレースホルダー 3">
+            <a:extLst>
+              <a:ext uri="{FF2B5EF4-FFF2-40B4-BE49-F238E27FC236}">
+                <a16:creationId xmlns:a16="http://schemas.microsoft.com/office/drawing/2014/main" xmlns="" id="{627248D1-DA0A-794D-B8C3-A3BA03410E07}"/>
+              </a:ext>
+            </a:extLst>
+          </p:cNvPr>
+          <p:cNvSpPr>
+            <a:spLocks noGrp="1"/>
+          </p:cNvSpPr>
+          <p:nvPr>
+            <p:ph type="sldNum" sz="quarter" idx="12"/>
+          </p:nvPr>
+        </p:nvSpPr>
+        <p:spPr/>
+        <p:txBody>
+          <a:bodyPr/>
+          <a:lstStyle/>
+          <a:p>
+            <a:pPr algn="ctr"/>
+            <a:fld id="{CA23F248-F353-4F36-A746-B1953A38AE2D}" type="slidenum">
+              <a:rPr lang="ja-JP" altLang="en-US" smtClean="0"/>
+              <a:pPr algn="ctr"/>
+              <a:t>12</a:t>
+            </a:fld>
+            <a:endParaRPr lang="ja-JP" altLang="en-US" dirty="0"/>
+          </a:p>
+        </p:txBody>
+      </p:sp>
+    </p:spTree>
+    <p:extLst>
+      <p:ext uri="{BB962C8B-B14F-4D97-AF65-F5344CB8AC3E}">
+        <p14:creationId xmlns:p14="http://schemas.microsoft.com/office/powerpoint/2010/main" val="804952363"/>
+      </p:ext>
+    </p:extLst>
+  </p:cSld>
+  <p:clrMapOvr>
+    <a:masterClrMapping/>
+  </p:clrMapOvr>
+</p:sld>
+</file>
+
 <file path=ppt/slides/slide2.xml><?xml version="1.0" encoding="utf-8"?>
 <p:sld xmlns:a="http://schemas.openxmlformats.org/drawingml/2006/main" xmlns:r="http://schemas.openxmlformats.org/officeDocument/2006/relationships" xmlns:p="http://schemas.openxmlformats.org/presentationml/2006/main">
   <p:cSld>
@@ -4108,7 +4603,7 @@
           <p:cNvPr id="2" name="タイトル 1">
             <a:extLst>
               <a:ext uri="{FF2B5EF4-FFF2-40B4-BE49-F238E27FC236}">
-                <a16:creationId xmlns:a16="http://schemas.microsoft.com/office/drawing/2014/main" id="{E047AFC4-9082-2E4A-A358-552F4B0832F6}"/>
+                <a16:creationId xmlns:a16="http://schemas.microsoft.com/office/drawing/2014/main" xmlns="" id="{E047AFC4-9082-2E4A-A358-552F4B0832F6}"/>
               </a:ext>
             </a:extLst>
           </p:cNvPr>
@@ -4136,7 +4631,7 @@
           <p:cNvPr id="3" name="コンテンツ プレースホルダー 2">
             <a:extLst>
               <a:ext uri="{FF2B5EF4-FFF2-40B4-BE49-F238E27FC236}">
-                <a16:creationId xmlns:a16="http://schemas.microsoft.com/office/drawing/2014/main" id="{CDF60574-7672-564F-B8F3-E9FF1A90453F}"/>
+                <a16:creationId xmlns:a16="http://schemas.microsoft.com/office/drawing/2014/main" xmlns="" id="{CDF60574-7672-564F-B8F3-E9FF1A90453F}"/>
               </a:ext>
             </a:extLst>
           </p:cNvPr>
@@ -4164,7 +4659,7 @@
               <a:buAutoNum type="arabicPeriod"/>
             </a:pPr>
             <a:r>
-              <a:rPr kumimoji="1" lang="ja-JP" altLang="en-US"/>
+              <a:rPr kumimoji="1" lang="ja-JP" altLang="en-US" dirty="0"/>
               <a:t>シミュレータの進捗</a:t>
             </a:r>
             <a:endParaRPr kumimoji="1" lang="en-US" altLang="ja-JP" dirty="0"/>
@@ -4182,8 +4677,12 @@
               <a:buAutoNum type="arabicPeriod"/>
             </a:pPr>
             <a:r>
-              <a:rPr kumimoji="1" lang="en-US" altLang="ja-JP" dirty="0" err="1"/>
-              <a:t>Lti</a:t>
+              <a:rPr kumimoji="1" lang="en-US" altLang="ja-JP" dirty="0" smtClean="0"/>
+              <a:t>LTI</a:t>
+            </a:r>
+            <a:r>
+              <a:rPr kumimoji="1" lang="ja-JP" altLang="en-US" dirty="0" smtClean="0"/>
+              <a:t>の進捗</a:t>
             </a:r>
             <a:endParaRPr kumimoji="1" lang="en-US" altLang="ja-JP" dirty="0"/>
           </a:p>
@@ -4200,7 +4699,7 @@
               <a:buAutoNum type="arabicPeriod"/>
             </a:pPr>
             <a:r>
-              <a:rPr kumimoji="1" lang="ja-JP" altLang="en-US"/>
+              <a:rPr kumimoji="1" lang="ja-JP" altLang="en-US" dirty="0"/>
               <a:t>課題</a:t>
             </a:r>
           </a:p>
@@ -4211,7 +4710,7 @@
           <p:cNvPr id="4" name="スライド番号プレースホルダー 3">
             <a:extLst>
               <a:ext uri="{FF2B5EF4-FFF2-40B4-BE49-F238E27FC236}">
-                <a16:creationId xmlns:a16="http://schemas.microsoft.com/office/drawing/2014/main" id="{25D12AA5-84D1-5444-B6C6-4C952EB2C0B9}"/>
+                <a16:creationId xmlns:a16="http://schemas.microsoft.com/office/drawing/2014/main" xmlns="" id="{25D12AA5-84D1-5444-B6C6-4C952EB2C0B9}"/>
               </a:ext>
             </a:extLst>
           </p:cNvPr>
@@ -4272,7 +4771,7 @@
           <p:cNvPr id="2" name="タイトル 1">
             <a:extLst>
               <a:ext uri="{FF2B5EF4-FFF2-40B4-BE49-F238E27FC236}">
-                <a16:creationId xmlns:a16="http://schemas.microsoft.com/office/drawing/2014/main" id="{62115586-9A84-9F4B-BE94-3102B294E6D4}"/>
+                <a16:creationId xmlns:a16="http://schemas.microsoft.com/office/drawing/2014/main" xmlns="" id="{62115586-9A84-9F4B-BE94-3102B294E6D4}"/>
               </a:ext>
             </a:extLst>
           </p:cNvPr>
@@ -4300,7 +4799,7 @@
           <p:cNvPr id="3" name="コンテンツ プレースホルダー 2">
             <a:extLst>
               <a:ext uri="{FF2B5EF4-FFF2-40B4-BE49-F238E27FC236}">
-                <a16:creationId xmlns:a16="http://schemas.microsoft.com/office/drawing/2014/main" id="{538C3A60-69DA-1446-9DA3-67EAC6710840}"/>
+                <a16:creationId xmlns:a16="http://schemas.microsoft.com/office/drawing/2014/main" xmlns="" id="{538C3A60-69DA-1446-9DA3-67EAC6710840}"/>
               </a:ext>
             </a:extLst>
           </p:cNvPr>
@@ -4378,7 +4877,7 @@
           <p:cNvPr id="4" name="スライド番号プレースホルダー 3">
             <a:extLst>
               <a:ext uri="{FF2B5EF4-FFF2-40B4-BE49-F238E27FC236}">
-                <a16:creationId xmlns:a16="http://schemas.microsoft.com/office/drawing/2014/main" id="{1D8D07BC-232C-CA41-9272-1E5C6EAC40E0}"/>
+                <a16:creationId xmlns:a16="http://schemas.microsoft.com/office/drawing/2014/main" xmlns="" id="{1D8D07BC-232C-CA41-9272-1E5C6EAC40E0}"/>
               </a:ext>
             </a:extLst>
           </p:cNvPr>
@@ -4439,7 +4938,7 @@
           <p:cNvPr id="2" name="タイトル 1">
             <a:extLst>
               <a:ext uri="{FF2B5EF4-FFF2-40B4-BE49-F238E27FC236}">
-                <a16:creationId xmlns:a16="http://schemas.microsoft.com/office/drawing/2014/main" id="{D9A19037-C407-D549-907F-4BD9DABA96D7}"/>
+                <a16:creationId xmlns:a16="http://schemas.microsoft.com/office/drawing/2014/main" xmlns="" id="{D9A19037-C407-D549-907F-4BD9DABA96D7}"/>
               </a:ext>
             </a:extLst>
           </p:cNvPr>
@@ -4464,7 +4963,7 @@
               <a:t>ain</a:t>
             </a:r>
             <a:r>
-              <a:rPr kumimoji="1" lang="ja-JP" altLang="en-US"/>
+              <a:rPr kumimoji="1" lang="ja-JP" altLang="en-US" dirty="0"/>
               <a:t>部分へのドロップ</a:t>
             </a:r>
           </a:p>
@@ -4475,7 +4974,7 @@
           <p:cNvPr id="3" name="コンテンツ プレースホルダー 2">
             <a:extLst>
               <a:ext uri="{FF2B5EF4-FFF2-40B4-BE49-F238E27FC236}">
-                <a16:creationId xmlns:a16="http://schemas.microsoft.com/office/drawing/2014/main" id="{4C1C5C28-4E11-9740-BD78-3D24C18763D0}"/>
+                <a16:creationId xmlns:a16="http://schemas.microsoft.com/office/drawing/2014/main" xmlns="" id="{4C1C5C28-4E11-9740-BD78-3D24C18763D0}"/>
               </a:ext>
             </a:extLst>
           </p:cNvPr>
@@ -4496,7 +4995,7 @@
               <a:t>jqueryUI</a:t>
             </a:r>
             <a:r>
-              <a:rPr kumimoji="1" lang="ja-JP" altLang="en-US"/>
+              <a:rPr kumimoji="1" lang="ja-JP" altLang="en-US" dirty="0"/>
               <a:t>の</a:t>
             </a:r>
             <a:r>
@@ -4504,7 +5003,7 @@
               <a:t>draggable</a:t>
             </a:r>
             <a:r>
-              <a:rPr kumimoji="1" lang="ja-JP" altLang="en-US"/>
+              <a:rPr kumimoji="1" lang="ja-JP" altLang="en-US" dirty="0"/>
               <a:t>と</a:t>
             </a:r>
             <a:r>
@@ -4512,7 +5011,7 @@
               <a:t>droppable</a:t>
             </a:r>
             <a:r>
-              <a:rPr kumimoji="1" lang="ja-JP" altLang="en-US"/>
+              <a:rPr kumimoji="1" lang="ja-JP" altLang="en-US" dirty="0"/>
               <a:t>を用いて</a:t>
             </a:r>
             <a:r>
@@ -4520,10 +5019,10 @@
               <a:t>main</a:t>
             </a:r>
             <a:r>
-              <a:rPr lang="ja-JP" altLang="en-US"/>
+              <a:rPr lang="ja-JP" altLang="en-US" dirty="0"/>
               <a:t>部分へのドロップを可能に</a:t>
             </a:r>
-            <a:endParaRPr kumimoji="1" lang="ja-JP" altLang="en-US"/>
+            <a:endParaRPr kumimoji="1" lang="ja-JP" altLang="en-US" dirty="0"/>
           </a:p>
         </p:txBody>
       </p:sp>
@@ -4532,7 +5031,7 @@
           <p:cNvPr id="4" name="スライド番号プレースホルダー 3">
             <a:extLst>
               <a:ext uri="{FF2B5EF4-FFF2-40B4-BE49-F238E27FC236}">
-                <a16:creationId xmlns:a16="http://schemas.microsoft.com/office/drawing/2014/main" id="{38FE3780-EF53-D040-9532-A80F46451704}"/>
+                <a16:creationId xmlns:a16="http://schemas.microsoft.com/office/drawing/2014/main" xmlns="" id="{38FE3780-EF53-D040-9532-A80F46451704}"/>
               </a:ext>
             </a:extLst>
           </p:cNvPr>
@@ -4563,7 +5062,7 @@
           <p:cNvPr id="6" name="図 5">
             <a:extLst>
               <a:ext uri="{FF2B5EF4-FFF2-40B4-BE49-F238E27FC236}">
-                <a16:creationId xmlns:a16="http://schemas.microsoft.com/office/drawing/2014/main" id="{7C6B1A6F-E72D-D142-9EE4-9D8721438C97}"/>
+                <a16:creationId xmlns:a16="http://schemas.microsoft.com/office/drawing/2014/main" xmlns="" id="{7C6B1A6F-E72D-D142-9EE4-9D8721438C97}"/>
               </a:ext>
             </a:extLst>
           </p:cNvPr>
@@ -4599,7 +5098,7 @@
           <p:cNvPr id="7" name="右矢印 6">
             <a:extLst>
               <a:ext uri="{FF2B5EF4-FFF2-40B4-BE49-F238E27FC236}">
-                <a16:creationId xmlns:a16="http://schemas.microsoft.com/office/drawing/2014/main" id="{F84A01B4-1D6F-0547-B249-E21EB89E6167}"/>
+                <a16:creationId xmlns:a16="http://schemas.microsoft.com/office/drawing/2014/main" xmlns="" id="{F84A01B4-1D6F-0547-B249-E21EB89E6167}"/>
               </a:ext>
             </a:extLst>
           </p:cNvPr>
@@ -4659,7 +5158,7 @@
           <p:cNvPr id="8" name="ドーナツ 7">
             <a:extLst>
               <a:ext uri="{FF2B5EF4-FFF2-40B4-BE49-F238E27FC236}">
-                <a16:creationId xmlns:a16="http://schemas.microsoft.com/office/drawing/2014/main" id="{0FBDBB24-93CB-FA43-B0A3-BD413E6CC483}"/>
+                <a16:creationId xmlns:a16="http://schemas.microsoft.com/office/drawing/2014/main" xmlns="" id="{0FBDBB24-93CB-FA43-B0A3-BD413E6CC483}"/>
               </a:ext>
             </a:extLst>
           </p:cNvPr>
@@ -4749,7 +5248,7 @@
           <p:cNvPr id="2" name="タイトル 1">
             <a:extLst>
               <a:ext uri="{FF2B5EF4-FFF2-40B4-BE49-F238E27FC236}">
-                <a16:creationId xmlns:a16="http://schemas.microsoft.com/office/drawing/2014/main" id="{2E579521-346A-4244-9C6E-E08347ADA578}"/>
+                <a16:creationId xmlns:a16="http://schemas.microsoft.com/office/drawing/2014/main" xmlns="" id="{2E579521-346A-4244-9C6E-E08347ADA578}"/>
               </a:ext>
             </a:extLst>
           </p:cNvPr>
@@ -4777,7 +5276,7 @@
           <p:cNvPr id="3" name="コンテンツ プレースホルダー 2">
             <a:extLst>
               <a:ext uri="{FF2B5EF4-FFF2-40B4-BE49-F238E27FC236}">
-                <a16:creationId xmlns:a16="http://schemas.microsoft.com/office/drawing/2014/main" id="{0B013839-427A-CF42-984D-49533DE7D631}"/>
+                <a16:creationId xmlns:a16="http://schemas.microsoft.com/office/drawing/2014/main" xmlns="" id="{0B013839-427A-CF42-984D-49533DE7D631}"/>
               </a:ext>
             </a:extLst>
           </p:cNvPr>
@@ -4823,7 +5322,7 @@
           <p:cNvPr id="4" name="スライド番号プレースホルダー 3">
             <a:extLst>
               <a:ext uri="{FF2B5EF4-FFF2-40B4-BE49-F238E27FC236}">
-                <a16:creationId xmlns:a16="http://schemas.microsoft.com/office/drawing/2014/main" id="{DEABA2F4-F034-6B4D-A64C-E9595637A80C}"/>
+                <a16:creationId xmlns:a16="http://schemas.microsoft.com/office/drawing/2014/main" xmlns="" id="{DEABA2F4-F034-6B4D-A64C-E9595637A80C}"/>
               </a:ext>
             </a:extLst>
           </p:cNvPr>
@@ -4881,13 +5380,7 @@
       </p:grpSpPr>
       <p:sp>
         <p:nvSpPr>
-          <p:cNvPr id="2" name="タイトル 1">
-            <a:extLst>
-              <a:ext uri="{FF2B5EF4-FFF2-40B4-BE49-F238E27FC236}">
-                <a16:creationId xmlns:a16="http://schemas.microsoft.com/office/drawing/2014/main" id="{63E1E102-5ED3-1440-8A4F-7F278879E5FA}"/>
-              </a:ext>
-            </a:extLst>
-          </p:cNvPr>
+          <p:cNvPr id="2" name="タイトル 1"/>
           <p:cNvSpPr>
             <a:spLocks noGrp="1"/>
           </p:cNvSpPr>
@@ -4901,21 +5394,20 @@
           <a:lstStyle/>
           <a:p>
             <a:r>
-              <a:rPr kumimoji="1" lang="ja-JP" altLang="en-US"/>
-              <a:t>課題</a:t>
-            </a:r>
-          </a:p>
-        </p:txBody>
-      </p:sp>
-      <p:sp>
-        <p:nvSpPr>
-          <p:cNvPr id="3" name="コンテンツ プレースホルダー 2">
-            <a:extLst>
-              <a:ext uri="{FF2B5EF4-FFF2-40B4-BE49-F238E27FC236}">
-                <a16:creationId xmlns:a16="http://schemas.microsoft.com/office/drawing/2014/main" id="{55B68636-2CE0-9E49-A425-7F9CE86B8CB4}"/>
-              </a:ext>
-            </a:extLst>
-          </p:cNvPr>
+              <a:rPr kumimoji="1" lang="en-US" altLang="ja-JP" dirty="0" smtClean="0"/>
+              <a:t>LTI</a:t>
+            </a:r>
+            <a:r>
+              <a:rPr kumimoji="1" lang="ja-JP" altLang="en-US" dirty="0" smtClean="0"/>
+              <a:t>の進捗</a:t>
+            </a:r>
+            <a:endParaRPr kumimoji="1" lang="ja-JP" altLang="en-US" dirty="0"/>
+          </a:p>
+        </p:txBody>
+      </p:sp>
+      <p:sp>
+        <p:nvSpPr>
+          <p:cNvPr id="3" name="コンテンツ プレースホルダー 2"/>
           <p:cNvSpPr>
             <a:spLocks noGrp="1"/>
           </p:cNvSpPr>
@@ -4929,39 +5421,20 @@
           <a:lstStyle/>
           <a:p>
             <a:r>
-              <a:rPr kumimoji="1" lang="ja-JP" altLang="en-US"/>
-              <a:t>ドロップした画像に属性を追加する</a:t>
-            </a:r>
-            <a:r>
-              <a:rPr kumimoji="1" lang="en-US" altLang="ja-JP" dirty="0"/>
-              <a:t>(</a:t>
-            </a:r>
-            <a:r>
-              <a:rPr kumimoji="1" lang="en-US" altLang="ja-JP" dirty="0" err="1"/>
-              <a:t>netJson</a:t>
-            </a:r>
-            <a:r>
-              <a:rPr kumimoji="1" lang="en-US" altLang="ja-JP" dirty="0"/>
-              <a:t>)</a:t>
-            </a:r>
-          </a:p>
-          <a:p>
-            <a:endParaRPr lang="en-US" altLang="ja-JP" dirty="0"/>
-          </a:p>
-          <a:p>
-            <a:endParaRPr kumimoji="1" lang="en-US" altLang="ja-JP" dirty="0"/>
-          </a:p>
-        </p:txBody>
-      </p:sp>
-      <p:sp>
-        <p:nvSpPr>
-          <p:cNvPr id="4" name="スライド番号プレースホルダー 3">
-            <a:extLst>
-              <a:ext uri="{FF2B5EF4-FFF2-40B4-BE49-F238E27FC236}">
-                <a16:creationId xmlns:a16="http://schemas.microsoft.com/office/drawing/2014/main" id="{627248D1-DA0A-794D-B8C3-A3BA03410E07}"/>
-              </a:ext>
-            </a:extLst>
-          </p:cNvPr>
+              <a:rPr kumimoji="1" lang="en-US" altLang="ja-JP" dirty="0" smtClean="0"/>
+              <a:t>Ruby</a:t>
+            </a:r>
+            <a:r>
+              <a:rPr kumimoji="1" lang="ja-JP" altLang="en-US" dirty="0" smtClean="0"/>
+              <a:t>で署名を書く</a:t>
+            </a:r>
+            <a:endParaRPr kumimoji="1" lang="ja-JP" altLang="en-US" dirty="0"/>
+          </a:p>
+        </p:txBody>
+      </p:sp>
+      <p:sp>
+        <p:nvSpPr>
+          <p:cNvPr id="4" name="スライド番号プレースホルダー 3"/>
           <p:cNvSpPr>
             <a:spLocks noGrp="1"/>
           </p:cNvSpPr>
@@ -4987,7 +5460,463 @@
     </p:spTree>
     <p:extLst>
       <p:ext uri="{BB962C8B-B14F-4D97-AF65-F5344CB8AC3E}">
-        <p14:creationId xmlns:p14="http://schemas.microsoft.com/office/powerpoint/2010/main" val="804952363"/>
+        <p14:creationId xmlns:p14="http://schemas.microsoft.com/office/powerpoint/2010/main" val="1824858434"/>
+      </p:ext>
+    </p:extLst>
+  </p:cSld>
+  <p:clrMapOvr>
+    <a:masterClrMapping/>
+  </p:clrMapOvr>
+</p:sld>
+</file>
+
+<file path=ppt/slides/slide7.xml><?xml version="1.0" encoding="utf-8"?>
+<p:sld xmlns:a="http://schemas.openxmlformats.org/drawingml/2006/main" xmlns:r="http://schemas.openxmlformats.org/officeDocument/2006/relationships" xmlns:p="http://schemas.openxmlformats.org/presentationml/2006/main">
+  <p:cSld>
+    <p:spTree>
+      <p:nvGrpSpPr>
+        <p:cNvPr id="1" name=""/>
+        <p:cNvGrpSpPr/>
+        <p:nvPr/>
+      </p:nvGrpSpPr>
+      <p:grpSpPr>
+        <a:xfrm>
+          <a:off x="0" y="0"/>
+          <a:ext cx="0" cy="0"/>
+          <a:chOff x="0" y="0"/>
+          <a:chExt cx="0" cy="0"/>
+        </a:xfrm>
+      </p:grpSpPr>
+      <p:sp>
+        <p:nvSpPr>
+          <p:cNvPr id="2" name="タイトル 1"/>
+          <p:cNvSpPr>
+            <a:spLocks noGrp="1"/>
+          </p:cNvSpPr>
+          <p:nvPr>
+            <p:ph type="title"/>
+          </p:nvPr>
+        </p:nvSpPr>
+        <p:spPr/>
+        <p:txBody>
+          <a:bodyPr/>
+          <a:lstStyle/>
+          <a:p>
+            <a:r>
+              <a:rPr kumimoji="1" lang="en-US" altLang="ja-JP" dirty="0" smtClean="0"/>
+              <a:t>POST</a:t>
+            </a:r>
+            <a:r>
+              <a:rPr kumimoji="1" lang="ja-JP" altLang="en-US" dirty="0" smtClean="0"/>
+              <a:t>送信の受け取り</a:t>
+            </a:r>
+            <a:endParaRPr kumimoji="1" lang="ja-JP" altLang="en-US" dirty="0"/>
+          </a:p>
+        </p:txBody>
+      </p:sp>
+      <p:sp>
+        <p:nvSpPr>
+          <p:cNvPr id="3" name="コンテンツ プレースホルダー 2"/>
+          <p:cNvSpPr>
+            <a:spLocks noGrp="1"/>
+          </p:cNvSpPr>
+          <p:nvPr>
+            <p:ph idx="1"/>
+          </p:nvPr>
+        </p:nvSpPr>
+        <p:spPr/>
+        <p:txBody>
+          <a:bodyPr/>
+          <a:lstStyle/>
+          <a:p>
+            <a:r>
+              <a:rPr lang="en-US" altLang="ja-JP" dirty="0" err="1"/>
+              <a:t>Params</a:t>
+            </a:r>
+            <a:r>
+              <a:rPr lang="ja-JP" altLang="en-US" dirty="0"/>
+              <a:t>で受け取ると文字列で返される。</a:t>
+            </a:r>
+            <a:r>
+              <a:rPr lang="en-US" altLang="ja-JP" dirty="0"/>
+              <a:t/>
+            </a:r>
+            <a:br>
+              <a:rPr lang="en-US" altLang="ja-JP" dirty="0"/>
+            </a:br>
+            <a:r>
+              <a:rPr lang="ja-JP" altLang="en-US" dirty="0"/>
+              <a:t>ー文字列の中から指定した文字列を削除するコマンドで、いらないものを排除</a:t>
+            </a:r>
+            <a:r>
+              <a:rPr lang="en-US" altLang="ja-JP" dirty="0"/>
+              <a:t/>
+            </a:r>
+            <a:br>
+              <a:rPr lang="en-US" altLang="ja-JP" dirty="0"/>
+            </a:br>
+            <a:r>
+              <a:rPr lang="en-US" altLang="ja-JP" dirty="0"/>
+              <a:t/>
+            </a:r>
+            <a:br>
+              <a:rPr lang="en-US" altLang="ja-JP" dirty="0"/>
+            </a:br>
+            <a:r>
+              <a:rPr lang="en-US" altLang="ja-JP" dirty="0"/>
+              <a:t>delete</a:t>
+            </a:r>
+            <a:r>
+              <a:rPr lang="ja-JP" altLang="en-US" dirty="0"/>
+              <a:t>を使用し、</a:t>
+            </a:r>
+            <a:r>
+              <a:rPr lang="en-US" altLang="ja-JP" dirty="0"/>
+              <a:t>(:action),(:</a:t>
+            </a:r>
+            <a:r>
+              <a:rPr lang="en-US" altLang="ja-JP" dirty="0" err="1"/>
+              <a:t>contoller</a:t>
+            </a:r>
+            <a:r>
+              <a:rPr lang="en-US" altLang="ja-JP" dirty="0"/>
+              <a:t>),(:</a:t>
+            </a:r>
+            <a:r>
+              <a:rPr lang="en-US" altLang="ja-JP" dirty="0" err="1"/>
+              <a:t>oauth_signature</a:t>
+            </a:r>
+            <a:r>
+              <a:rPr lang="en-US" altLang="ja-JP" dirty="0"/>
+              <a:t>)</a:t>
+            </a:r>
+            <a:r>
+              <a:rPr lang="ja-JP" altLang="en-US" dirty="0"/>
+              <a:t>を削</a:t>
+            </a:r>
+            <a:endParaRPr kumimoji="1" lang="ja-JP" altLang="en-US" dirty="0"/>
+          </a:p>
+        </p:txBody>
+      </p:sp>
+      <p:sp>
+        <p:nvSpPr>
+          <p:cNvPr id="4" name="スライド番号プレースホルダー 3"/>
+          <p:cNvSpPr>
+            <a:spLocks noGrp="1"/>
+          </p:cNvSpPr>
+          <p:nvPr>
+            <p:ph type="sldNum" sz="quarter" idx="12"/>
+          </p:nvPr>
+        </p:nvSpPr>
+        <p:spPr/>
+        <p:txBody>
+          <a:bodyPr/>
+          <a:lstStyle/>
+          <a:p>
+            <a:pPr algn="ctr"/>
+            <a:fld id="{CA23F248-F353-4F36-A746-B1953A38AE2D}" type="slidenum">
+              <a:rPr lang="ja-JP" altLang="en-US" smtClean="0"/>
+              <a:pPr algn="ctr"/>
+              <a:t>7</a:t>
+            </a:fld>
+            <a:endParaRPr lang="ja-JP" altLang="en-US" dirty="0"/>
+          </a:p>
+        </p:txBody>
+      </p:sp>
+    </p:spTree>
+    <p:extLst>
+      <p:ext uri="{BB962C8B-B14F-4D97-AF65-F5344CB8AC3E}">
+        <p14:creationId xmlns:p14="http://schemas.microsoft.com/office/powerpoint/2010/main" val="2110800104"/>
+      </p:ext>
+    </p:extLst>
+  </p:cSld>
+  <p:clrMapOvr>
+    <a:masterClrMapping/>
+  </p:clrMapOvr>
+</p:sld>
+</file>
+
+<file path=ppt/slides/slide8.xml><?xml version="1.0" encoding="utf-8"?>
+<p:sld xmlns:a="http://schemas.openxmlformats.org/drawingml/2006/main" xmlns:r="http://schemas.openxmlformats.org/officeDocument/2006/relationships" xmlns:p="http://schemas.openxmlformats.org/presentationml/2006/main">
+  <p:cSld>
+    <p:spTree>
+      <p:nvGrpSpPr>
+        <p:cNvPr id="1" name=""/>
+        <p:cNvGrpSpPr/>
+        <p:nvPr/>
+      </p:nvGrpSpPr>
+      <p:grpSpPr>
+        <a:xfrm>
+          <a:off x="0" y="0"/>
+          <a:ext cx="0" cy="0"/>
+          <a:chOff x="0" y="0"/>
+          <a:chExt cx="0" cy="0"/>
+        </a:xfrm>
+      </p:grpSpPr>
+      <p:sp>
+        <p:nvSpPr>
+          <p:cNvPr id="2" name="タイトル 1"/>
+          <p:cNvSpPr>
+            <a:spLocks noGrp="1"/>
+          </p:cNvSpPr>
+          <p:nvPr>
+            <p:ph type="title"/>
+          </p:nvPr>
+        </p:nvSpPr>
+        <p:spPr/>
+        <p:txBody>
+          <a:bodyPr/>
+          <a:lstStyle/>
+          <a:p>
+            <a:r>
+              <a:rPr kumimoji="1" lang="ja-JP" altLang="en-US" dirty="0" smtClean="0"/>
+              <a:t>アルファベット順に並び替え</a:t>
+            </a:r>
+            <a:endParaRPr kumimoji="1" lang="ja-JP" altLang="en-US" dirty="0"/>
+          </a:p>
+        </p:txBody>
+      </p:sp>
+      <p:sp>
+        <p:nvSpPr>
+          <p:cNvPr id="3" name="コンテンツ プレースホルダー 2"/>
+          <p:cNvSpPr>
+            <a:spLocks noGrp="1"/>
+          </p:cNvSpPr>
+          <p:nvPr>
+            <p:ph idx="1"/>
+          </p:nvPr>
+        </p:nvSpPr>
+        <p:spPr/>
+        <p:txBody>
+          <a:bodyPr/>
+          <a:lstStyle/>
+          <a:p>
+            <a:r>
+              <a:rPr lang="ja-JP" altLang="en-US" dirty="0"/>
+              <a:t>不必要な物を削除したデータをハッシュ化</a:t>
+            </a:r>
+            <a:endParaRPr lang="en-US" altLang="ja-JP" dirty="0"/>
+          </a:p>
+          <a:p>
+            <a:r>
+              <a:rPr lang="ja-JP" altLang="en-US" dirty="0"/>
+              <a:t>ハッシュ化したデータを</a:t>
+            </a:r>
+            <a:r>
+              <a:rPr lang="en-US" altLang="ja-JP" dirty="0"/>
+              <a:t>sort</a:t>
+            </a:r>
+            <a:r>
+              <a:rPr lang="ja-JP" altLang="en-US" dirty="0"/>
+              <a:t>コマンドでアルファベット順にソート</a:t>
+            </a:r>
+          </a:p>
+          <a:p>
+            <a:endParaRPr kumimoji="1" lang="ja-JP" altLang="en-US" dirty="0"/>
+          </a:p>
+        </p:txBody>
+      </p:sp>
+      <p:sp>
+        <p:nvSpPr>
+          <p:cNvPr id="4" name="スライド番号プレースホルダー 3"/>
+          <p:cNvSpPr>
+            <a:spLocks noGrp="1"/>
+          </p:cNvSpPr>
+          <p:nvPr>
+            <p:ph type="sldNum" sz="quarter" idx="12"/>
+          </p:nvPr>
+        </p:nvSpPr>
+        <p:spPr/>
+        <p:txBody>
+          <a:bodyPr/>
+          <a:lstStyle/>
+          <a:p>
+            <a:pPr algn="ctr"/>
+            <a:fld id="{CA23F248-F353-4F36-A746-B1953A38AE2D}" type="slidenum">
+              <a:rPr lang="ja-JP" altLang="en-US" smtClean="0"/>
+              <a:pPr algn="ctr"/>
+              <a:t>8</a:t>
+            </a:fld>
+            <a:endParaRPr lang="ja-JP" altLang="en-US" dirty="0"/>
+          </a:p>
+        </p:txBody>
+      </p:sp>
+    </p:spTree>
+    <p:extLst>
+      <p:ext uri="{BB962C8B-B14F-4D97-AF65-F5344CB8AC3E}">
+        <p14:creationId xmlns:p14="http://schemas.microsoft.com/office/powerpoint/2010/main" val="1756675399"/>
+      </p:ext>
+    </p:extLst>
+  </p:cSld>
+  <p:clrMapOvr>
+    <a:masterClrMapping/>
+  </p:clrMapOvr>
+</p:sld>
+</file>
+
+<file path=ppt/slides/slide9.xml><?xml version="1.0" encoding="utf-8"?>
+<p:sld xmlns:a="http://schemas.openxmlformats.org/drawingml/2006/main" xmlns:r="http://schemas.openxmlformats.org/officeDocument/2006/relationships" xmlns:p="http://schemas.openxmlformats.org/presentationml/2006/main">
+  <p:cSld>
+    <p:spTree>
+      <p:nvGrpSpPr>
+        <p:cNvPr id="1" name=""/>
+        <p:cNvGrpSpPr/>
+        <p:nvPr/>
+      </p:nvGrpSpPr>
+      <p:grpSpPr>
+        <a:xfrm>
+          <a:off x="0" y="0"/>
+          <a:ext cx="0" cy="0"/>
+          <a:chOff x="0" y="0"/>
+          <a:chExt cx="0" cy="0"/>
+        </a:xfrm>
+      </p:grpSpPr>
+      <p:sp>
+        <p:nvSpPr>
+          <p:cNvPr id="2" name="タイトル 1"/>
+          <p:cNvSpPr>
+            <a:spLocks noGrp="1"/>
+          </p:cNvSpPr>
+          <p:nvPr>
+            <p:ph type="title"/>
+          </p:nvPr>
+        </p:nvSpPr>
+        <p:spPr/>
+        <p:txBody>
+          <a:bodyPr/>
+          <a:lstStyle/>
+          <a:p>
+            <a:r>
+              <a:rPr lang="en-US" altLang="ja-JP" dirty="0"/>
+              <a:t>Key=value</a:t>
+            </a:r>
+            <a:r>
+              <a:rPr lang="ja-JP" altLang="en-US" dirty="0"/>
+              <a:t>という形へ</a:t>
+            </a:r>
+            <a:endParaRPr kumimoji="1" lang="ja-JP" altLang="en-US" dirty="0"/>
+          </a:p>
+        </p:txBody>
+      </p:sp>
+      <p:sp>
+        <p:nvSpPr>
+          <p:cNvPr id="3" name="コンテンツ プレースホルダー 2"/>
+          <p:cNvSpPr>
+            <a:spLocks noGrp="1"/>
+          </p:cNvSpPr>
+          <p:nvPr>
+            <p:ph idx="1"/>
+          </p:nvPr>
+        </p:nvSpPr>
+        <p:spPr/>
+        <p:txBody>
+          <a:bodyPr/>
+          <a:lstStyle/>
+          <a:p>
+            <a:r>
+              <a:rPr lang="ja-JP" altLang="en-US" dirty="0"/>
+              <a:t>ソートした値を</a:t>
+            </a:r>
+            <a:r>
+              <a:rPr lang="en-US" altLang="ja-JP" dirty="0"/>
+              <a:t>key=value&amp;</a:t>
+            </a:r>
+            <a:r>
+              <a:rPr lang="mr-IN" altLang="ja-JP" dirty="0"/>
+              <a:t>…</a:t>
+            </a:r>
+            <a:r>
+              <a:rPr lang="ja-JP" altLang="en-US" dirty="0"/>
+              <a:t>という形へ</a:t>
+            </a:r>
+            <a:r>
+              <a:rPr lang="en-US" altLang="ja-JP" dirty="0"/>
+              <a:t/>
+            </a:r>
+            <a:br>
+              <a:rPr lang="en-US" altLang="ja-JP" dirty="0"/>
+            </a:br>
+            <a:r>
+              <a:rPr lang="ja-JP" altLang="en-US" dirty="0"/>
+              <a:t>ーソートすると二次元配列で返されるので、変数</a:t>
+            </a:r>
+            <a:r>
+              <a:rPr lang="en-US" altLang="ja-JP" dirty="0"/>
+              <a:t>[0][0] + “=” + </a:t>
+            </a:r>
+            <a:r>
+              <a:rPr lang="ja-JP" altLang="en-US" dirty="0"/>
+              <a:t>変数</a:t>
+            </a:r>
+            <a:r>
+              <a:rPr lang="en-US" altLang="ja-JP" dirty="0"/>
+              <a:t>[0][1] </a:t>
+            </a:r>
+            <a:r>
+              <a:rPr lang="ja-JP" altLang="en-US" dirty="0"/>
+              <a:t>でつなげていった。</a:t>
+            </a:r>
+            <a:endParaRPr lang="en-US" altLang="ja-JP" dirty="0"/>
+          </a:p>
+          <a:p>
+            <a:endParaRPr lang="en-US" altLang="ja-JP" dirty="0"/>
+          </a:p>
+          <a:p>
+            <a:r>
+              <a:rPr lang="ja-JP" altLang="en-US" dirty="0"/>
+              <a:t>しかし、最後に＆がついってしまったので、最初は</a:t>
+            </a:r>
+            <a:r>
+              <a:rPr lang="en-US" altLang="ja-JP" dirty="0"/>
+              <a:t>key=value</a:t>
+            </a:r>
+            <a:r>
+              <a:rPr lang="ja-JP" altLang="en-US" dirty="0"/>
+              <a:t>という形でつなげ、２個目以降を</a:t>
+            </a:r>
+            <a:r>
+              <a:rPr lang="en-US" altLang="ja-JP" dirty="0"/>
+              <a:t>&amp;key=value</a:t>
+            </a:r>
+            <a:r>
+              <a:rPr lang="ja-JP" altLang="en-US" dirty="0"/>
+              <a:t>で繋ぐことで対処</a:t>
+            </a:r>
+          </a:p>
+          <a:p>
+            <a:endParaRPr kumimoji="1" lang="ja-JP" altLang="en-US" dirty="0"/>
+          </a:p>
+        </p:txBody>
+      </p:sp>
+      <p:sp>
+        <p:nvSpPr>
+          <p:cNvPr id="4" name="スライド番号プレースホルダー 3"/>
+          <p:cNvSpPr>
+            <a:spLocks noGrp="1"/>
+          </p:cNvSpPr>
+          <p:nvPr>
+            <p:ph type="sldNum" sz="quarter" idx="12"/>
+          </p:nvPr>
+        </p:nvSpPr>
+        <p:spPr/>
+        <p:txBody>
+          <a:bodyPr/>
+          <a:lstStyle/>
+          <a:p>
+            <a:pPr algn="ctr"/>
+            <a:fld id="{CA23F248-F353-4F36-A746-B1953A38AE2D}" type="slidenum">
+              <a:rPr lang="ja-JP" altLang="en-US" smtClean="0"/>
+              <a:pPr algn="ctr"/>
+              <a:t>9</a:t>
+            </a:fld>
+            <a:endParaRPr lang="ja-JP" altLang="en-US" dirty="0"/>
+          </a:p>
+        </p:txBody>
+      </p:sp>
+    </p:spTree>
+    <p:extLst>
+      <p:ext uri="{BB962C8B-B14F-4D97-AF65-F5344CB8AC3E}">
+        <p14:creationId xmlns:p14="http://schemas.microsoft.com/office/powerpoint/2010/main" val="1304668011"/>
       </p:ext>
     </p:extLst>
   </p:cSld>
@@ -5038,47 +5967,12 @@
         <a:srgbClr val="800080"/>
       </a:folHlink>
     </a:clrScheme>
-    <a:fontScheme name="Office">
+    <a:fontScheme name="Calibri">
       <a:majorFont>
-        <a:latin typeface="Calibri"/>
+        <a:latin typeface="Calibri" panose="020F0502020204030204"/>
         <a:ea typeface=""/>
         <a:cs typeface=""/>
-        <a:font script="Jpan" typeface="ＭＳ Ｐゴシック"/>
-        <a:font script="Hang" typeface="맑은 고딕"/>
-        <a:font script="Hans" typeface="宋体"/>
-        <a:font script="Hant" typeface="新細明體"/>
-        <a:font script="Arab" typeface="Times New Roman"/>
-        <a:font script="Hebr" typeface="Times New Roman"/>
-        <a:font script="Thai" typeface="Angsana New"/>
-        <a:font script="Ethi" typeface="Nyala"/>
-        <a:font script="Beng" typeface="Vrinda"/>
-        <a:font script="Gujr" typeface="Shruti"/>
-        <a:font script="Khmr" typeface="MoolBoran"/>
-        <a:font script="Knda" typeface="Tunga"/>
-        <a:font script="Guru" typeface="Raavi"/>
-        <a:font script="Cans" typeface="Euphemia"/>
-        <a:font script="Cher" typeface="Plantagenet Cherokee"/>
-        <a:font script="Yiii" typeface="Microsoft Yi Baiti"/>
-        <a:font script="Tibt" typeface="Microsoft Himalaya"/>
-        <a:font script="Thaa" typeface="MV Boli"/>
-        <a:font script="Deva" typeface="Mangal"/>
-        <a:font script="Telu" typeface="Gautami"/>
-        <a:font script="Taml" typeface="Latha"/>
-        <a:font script="Syrc" typeface="Estrangelo Edessa"/>
-        <a:font script="Orya" typeface="Kalinga"/>
-        <a:font script="Mlym" typeface="Kartika"/>
-        <a:font script="Laoo" typeface="DokChampa"/>
-        <a:font script="Sinh" typeface="Iskoola Pota"/>
-        <a:font script="Mong" typeface="Mongolian Baiti"/>
-        <a:font script="Viet" typeface="Times New Roman"/>
-        <a:font script="Uigh" typeface="Microsoft Uighur"/>
-        <a:font script="Geor" typeface="Sylfaen"/>
-      </a:majorFont>
-      <a:minorFont>
-        <a:latin typeface="Calibri"/>
-        <a:ea typeface=""/>
-        <a:cs typeface=""/>
-        <a:font script="Jpan" typeface="ＭＳ Ｐゴシック"/>
+        <a:font script="Jpan" typeface="メイリオ"/>
         <a:font script="Hang" typeface="맑은 고딕"/>
         <a:font script="Hans" typeface="宋体"/>
         <a:font script="Hant" typeface="新細明體"/>
@@ -5105,7 +5999,42 @@
         <a:font script="Laoo" typeface="DokChampa"/>
         <a:font script="Sinh" typeface="Iskoola Pota"/>
         <a:font script="Mong" typeface="Mongolian Baiti"/>
-        <a:font script="Viet" typeface="Arial"/>
+        <a:font script="Viet" typeface="Tahoma"/>
+        <a:font script="Uigh" typeface="Microsoft Uighur"/>
+        <a:font script="Geor" typeface="Sylfaen"/>
+      </a:majorFont>
+      <a:minorFont>
+        <a:latin typeface="Calibri" panose="020F0502020204030204"/>
+        <a:ea typeface=""/>
+        <a:cs typeface=""/>
+        <a:font script="Jpan" typeface="メイリオ"/>
+        <a:font script="Hang" typeface="맑은 고딕"/>
+        <a:font script="Hans" typeface="宋体"/>
+        <a:font script="Hant" typeface="新細明體"/>
+        <a:font script="Arab" typeface="Arial"/>
+        <a:font script="Hebr" typeface="Arial"/>
+        <a:font script="Thai" typeface="Cordia New"/>
+        <a:font script="Ethi" typeface="Nyala"/>
+        <a:font script="Beng" typeface="Vrinda"/>
+        <a:font script="Gujr" typeface="Shruti"/>
+        <a:font script="Khmr" typeface="DaunPenh"/>
+        <a:font script="Knda" typeface="Tunga"/>
+        <a:font script="Guru" typeface="Raavi"/>
+        <a:font script="Cans" typeface="Euphemia"/>
+        <a:font script="Cher" typeface="Plantagenet Cherokee"/>
+        <a:font script="Yiii" typeface="Microsoft Yi Baiti"/>
+        <a:font script="Tibt" typeface="Microsoft Himalaya"/>
+        <a:font script="Thaa" typeface="MV Boli"/>
+        <a:font script="Deva" typeface="Mangal"/>
+        <a:font script="Telu" typeface="Gautami"/>
+        <a:font script="Taml" typeface="Latha"/>
+        <a:font script="Syrc" typeface="Estrangelo Edessa"/>
+        <a:font script="Orya" typeface="Kalinga"/>
+        <a:font script="Mlym" typeface="Kartika"/>
+        <a:font script="Laoo" typeface="DokChampa"/>
+        <a:font script="Sinh" typeface="Iskoola Pota"/>
+        <a:font script="Mong" typeface="Mongolian Baiti"/>
+        <a:font script="Viet" typeface="Tahoma"/>
         <a:font script="Uigh" typeface="Microsoft Uighur"/>
         <a:font script="Geor" typeface="Sylfaen"/>
       </a:minorFont>
